--- a/전기회로/노트정리/img/3월 9일.pptx
+++ b/전기회로/노트정리/img/3월 9일.pptx
@@ -8,6 +8,7 @@
     <p:sldId id="256" r:id="rId2"/>
     <p:sldId id="257" r:id="rId3"/>
     <p:sldId id="258" r:id="rId4"/>
+    <p:sldId id="259" r:id="rId5"/>
   </p:sldIdLst>
   <p:sldSz cx="12192000" cy="6858000"/>
   <p:notesSz cx="6858000" cy="9144000"/>
@@ -170,7 +171,6 @@
               <a:rPr lang="ko-KR" altLang="en-US"/>
               <a:t>마스터 제목 스타일 편집</a:t>
             </a:r>
-            <a:endParaRPr lang="ko-KR" altLang="en-US"/>
           </a:p>
         </p:txBody>
       </p:sp>
@@ -235,7 +235,6 @@
               <a:rPr lang="ko-KR" altLang="en-US"/>
               <a:t>클릭하여 마스터 부제목 스타일 편집</a:t>
             </a:r>
-            <a:endParaRPr lang="ko-KR" altLang="en-US"/>
           </a:p>
         </p:txBody>
       </p:sp>
@@ -256,7 +255,7 @@
           <a:p>
             <a:fld id="{69A85B98-B374-447A-806F-2FFDC1CCC132}" type="datetimeFigureOut">
               <a:rPr lang="ko-KR" altLang="en-US" smtClean="0"/>
-              <a:t>2017-03-09</a:t>
+              <a:t>2017-03-15</a:t>
             </a:fld>
             <a:endParaRPr lang="ko-KR" altLang="en-US"/>
           </a:p>
@@ -353,7 +352,6 @@
               <a:rPr lang="ko-KR" altLang="en-US"/>
               <a:t>마스터 제목 스타일 편집</a:t>
             </a:r>
-            <a:endParaRPr lang="ko-KR" altLang="en-US"/>
           </a:p>
         </p:txBody>
       </p:sp>
@@ -405,7 +403,6 @@
               <a:rPr lang="ko-KR" altLang="en-US"/>
               <a:t>다섯째 수준</a:t>
             </a:r>
-            <a:endParaRPr lang="ko-KR" altLang="en-US"/>
           </a:p>
         </p:txBody>
       </p:sp>
@@ -426,7 +423,7 @@
           <a:p>
             <a:fld id="{69A85B98-B374-447A-806F-2FFDC1CCC132}" type="datetimeFigureOut">
               <a:rPr lang="ko-KR" altLang="en-US" smtClean="0"/>
-              <a:t>2017-03-09</a:t>
+              <a:t>2017-03-15</a:t>
             </a:fld>
             <a:endParaRPr lang="ko-KR" altLang="en-US"/>
           </a:p>
@@ -528,7 +525,6 @@
               <a:rPr lang="ko-KR" altLang="en-US"/>
               <a:t>마스터 제목 스타일 편집</a:t>
             </a:r>
-            <a:endParaRPr lang="ko-KR" altLang="en-US"/>
           </a:p>
         </p:txBody>
       </p:sp>
@@ -585,7 +581,6 @@
               <a:rPr lang="ko-KR" altLang="en-US"/>
               <a:t>다섯째 수준</a:t>
             </a:r>
-            <a:endParaRPr lang="ko-KR" altLang="en-US"/>
           </a:p>
         </p:txBody>
       </p:sp>
@@ -606,7 +601,7 @@
           <a:p>
             <a:fld id="{69A85B98-B374-447A-806F-2FFDC1CCC132}" type="datetimeFigureOut">
               <a:rPr lang="ko-KR" altLang="en-US" smtClean="0"/>
-              <a:t>2017-03-09</a:t>
+              <a:t>2017-03-15</a:t>
             </a:fld>
             <a:endParaRPr lang="ko-KR" altLang="en-US"/>
           </a:p>
@@ -703,7 +698,6 @@
               <a:rPr lang="ko-KR" altLang="en-US"/>
               <a:t>마스터 제목 스타일 편집</a:t>
             </a:r>
-            <a:endParaRPr lang="ko-KR" altLang="en-US"/>
           </a:p>
         </p:txBody>
       </p:sp>
@@ -755,7 +749,6 @@
               <a:rPr lang="ko-KR" altLang="en-US"/>
               <a:t>다섯째 수준</a:t>
             </a:r>
-            <a:endParaRPr lang="ko-KR" altLang="en-US"/>
           </a:p>
         </p:txBody>
       </p:sp>
@@ -776,7 +769,7 @@
           <a:p>
             <a:fld id="{69A85B98-B374-447A-806F-2FFDC1CCC132}" type="datetimeFigureOut">
               <a:rPr lang="ko-KR" altLang="en-US" smtClean="0"/>
-              <a:t>2017-03-09</a:t>
+              <a:t>2017-03-15</a:t>
             </a:fld>
             <a:endParaRPr lang="ko-KR" altLang="en-US"/>
           </a:p>
@@ -882,7 +875,6 @@
               <a:rPr lang="ko-KR" altLang="en-US"/>
               <a:t>마스터 제목 스타일 편집</a:t>
             </a:r>
-            <a:endParaRPr lang="ko-KR" altLang="en-US"/>
           </a:p>
         </p:txBody>
       </p:sp>
@@ -1022,7 +1014,7 @@
           <a:p>
             <a:fld id="{69A85B98-B374-447A-806F-2FFDC1CCC132}" type="datetimeFigureOut">
               <a:rPr lang="ko-KR" altLang="en-US" smtClean="0"/>
-              <a:t>2017-03-09</a:t>
+              <a:t>2017-03-15</a:t>
             </a:fld>
             <a:endParaRPr lang="ko-KR" altLang="en-US"/>
           </a:p>
@@ -1119,7 +1111,6 @@
               <a:rPr lang="ko-KR" altLang="en-US"/>
               <a:t>마스터 제목 스타일 편집</a:t>
             </a:r>
-            <a:endParaRPr lang="ko-KR" altLang="en-US"/>
           </a:p>
         </p:txBody>
       </p:sp>
@@ -1176,7 +1167,6 @@
               <a:rPr lang="ko-KR" altLang="en-US"/>
               <a:t>다섯째 수준</a:t>
             </a:r>
-            <a:endParaRPr lang="ko-KR" altLang="en-US"/>
           </a:p>
         </p:txBody>
       </p:sp>
@@ -1233,7 +1223,6 @@
               <a:rPr lang="ko-KR" altLang="en-US"/>
               <a:t>다섯째 수준</a:t>
             </a:r>
-            <a:endParaRPr lang="ko-KR" altLang="en-US"/>
           </a:p>
         </p:txBody>
       </p:sp>
@@ -1254,7 +1243,7 @@
           <a:p>
             <a:fld id="{69A85B98-B374-447A-806F-2FFDC1CCC132}" type="datetimeFigureOut">
               <a:rPr lang="ko-KR" altLang="en-US" smtClean="0"/>
-              <a:t>2017-03-09</a:t>
+              <a:t>2017-03-15</a:t>
             </a:fld>
             <a:endParaRPr lang="ko-KR" altLang="en-US"/>
           </a:p>
@@ -1356,7 +1345,6 @@
               <a:rPr lang="ko-KR" altLang="en-US"/>
               <a:t>마스터 제목 스타일 편집</a:t>
             </a:r>
-            <a:endParaRPr lang="ko-KR" altLang="en-US"/>
           </a:p>
         </p:txBody>
       </p:sp>
@@ -1478,7 +1466,6 @@
               <a:rPr lang="ko-KR" altLang="en-US"/>
               <a:t>다섯째 수준</a:t>
             </a:r>
-            <a:endParaRPr lang="ko-KR" altLang="en-US"/>
           </a:p>
         </p:txBody>
       </p:sp>
@@ -1600,7 +1587,6 @@
               <a:rPr lang="ko-KR" altLang="en-US"/>
               <a:t>다섯째 수준</a:t>
             </a:r>
-            <a:endParaRPr lang="ko-KR" altLang="en-US"/>
           </a:p>
         </p:txBody>
       </p:sp>
@@ -1621,7 +1607,7 @@
           <a:p>
             <a:fld id="{69A85B98-B374-447A-806F-2FFDC1CCC132}" type="datetimeFigureOut">
               <a:rPr lang="ko-KR" altLang="en-US" smtClean="0"/>
-              <a:t>2017-03-09</a:t>
+              <a:t>2017-03-15</a:t>
             </a:fld>
             <a:endParaRPr lang="ko-KR" altLang="en-US"/>
           </a:p>
@@ -1718,7 +1704,6 @@
               <a:rPr lang="ko-KR" altLang="en-US"/>
               <a:t>마스터 제목 스타일 편집</a:t>
             </a:r>
-            <a:endParaRPr lang="ko-KR" altLang="en-US"/>
           </a:p>
         </p:txBody>
       </p:sp>
@@ -1739,7 +1724,7 @@
           <a:p>
             <a:fld id="{69A85B98-B374-447A-806F-2FFDC1CCC132}" type="datetimeFigureOut">
               <a:rPr lang="ko-KR" altLang="en-US" smtClean="0"/>
-              <a:t>2017-03-09</a:t>
+              <a:t>2017-03-15</a:t>
             </a:fld>
             <a:endParaRPr lang="ko-KR" altLang="en-US"/>
           </a:p>
@@ -1834,7 +1819,7 @@
           <a:p>
             <a:fld id="{69A85B98-B374-447A-806F-2FFDC1CCC132}" type="datetimeFigureOut">
               <a:rPr lang="ko-KR" altLang="en-US" smtClean="0"/>
-              <a:t>2017-03-09</a:t>
+              <a:t>2017-03-15</a:t>
             </a:fld>
             <a:endParaRPr lang="ko-KR" altLang="en-US"/>
           </a:p>
@@ -1940,7 +1925,6 @@
               <a:rPr lang="ko-KR" altLang="en-US"/>
               <a:t>마스터 제목 스타일 편집</a:t>
             </a:r>
-            <a:endParaRPr lang="ko-KR" altLang="en-US"/>
           </a:p>
         </p:txBody>
       </p:sp>
@@ -2025,7 +2009,6 @@
               <a:rPr lang="ko-KR" altLang="en-US"/>
               <a:t>다섯째 수준</a:t>
             </a:r>
-            <a:endParaRPr lang="ko-KR" altLang="en-US"/>
           </a:p>
         </p:txBody>
       </p:sp>
@@ -2111,7 +2094,7 @@
           <a:p>
             <a:fld id="{69A85B98-B374-447A-806F-2FFDC1CCC132}" type="datetimeFigureOut">
               <a:rPr lang="ko-KR" altLang="en-US" smtClean="0"/>
-              <a:t>2017-03-09</a:t>
+              <a:t>2017-03-15</a:t>
             </a:fld>
             <a:endParaRPr lang="ko-KR" altLang="en-US"/>
           </a:p>
@@ -2217,7 +2200,6 @@
               <a:rPr lang="ko-KR" altLang="en-US"/>
               <a:t>마스터 제목 스타일 편집</a:t>
             </a:r>
-            <a:endParaRPr lang="ko-KR" altLang="en-US"/>
           </a:p>
         </p:txBody>
       </p:sp>
@@ -2364,7 +2346,7 @@
           <a:p>
             <a:fld id="{69A85B98-B374-447A-806F-2FFDC1CCC132}" type="datetimeFigureOut">
               <a:rPr lang="ko-KR" altLang="en-US" smtClean="0"/>
-              <a:t>2017-03-09</a:t>
+              <a:t>2017-03-15</a:t>
             </a:fld>
             <a:endParaRPr lang="ko-KR" altLang="en-US"/>
           </a:p>
@@ -2476,7 +2458,6 @@
               <a:rPr lang="ko-KR" altLang="en-US"/>
               <a:t>마스터 제목 스타일 편집</a:t>
             </a:r>
-            <a:endParaRPr lang="ko-KR" altLang="en-US"/>
           </a:p>
         </p:txBody>
       </p:sp>
@@ -2538,7 +2519,6 @@
               <a:rPr lang="ko-KR" altLang="en-US"/>
               <a:t>다섯째 수준</a:t>
             </a:r>
-            <a:endParaRPr lang="ko-KR" altLang="en-US"/>
           </a:p>
         </p:txBody>
       </p:sp>
@@ -2577,7 +2557,7 @@
           <a:p>
             <a:fld id="{69A85B98-B374-447A-806F-2FFDC1CCC132}" type="datetimeFigureOut">
               <a:rPr lang="ko-KR" altLang="en-US" smtClean="0"/>
-              <a:t>2017-03-09</a:t>
+              <a:t>2017-03-15</a:t>
             </a:fld>
             <a:endParaRPr lang="ko-KR" altLang="en-US"/>
           </a:p>
@@ -3178,8 +3158,8 @@
           </a:p>
         </p:txBody>
       </p:sp>
-      <mc:AlternateContent xmlns:mc="http://schemas.openxmlformats.org/markup-compatibility/2006">
-        <mc:Choice xmlns:a14="http://schemas.microsoft.com/office/drawing/2010/main" Requires="a14">
+      <mc:AlternateContent xmlns:mc="http://schemas.openxmlformats.org/markup-compatibility/2006" xmlns:a14="http://schemas.microsoft.com/office/drawing/2010/main">
+        <mc:Choice Requires="a14">
           <p:sp>
             <p:nvSpPr>
               <p:cNvPr id="13" name="TextBox 12"/>
@@ -3386,7 +3366,7 @@
             </p:txBody>
           </p:sp>
         </mc:Choice>
-        <mc:Fallback>
+        <mc:Fallback xmlns="">
           <p:sp>
             <p:nvSpPr>
               <p:cNvPr id="13" name="TextBox 12"/>
@@ -5605,8 +5585,8 @@
           </a:p>
         </p:txBody>
       </p:sp>
-      <mc:AlternateContent xmlns:mc="http://schemas.openxmlformats.org/markup-compatibility/2006">
-        <mc:Choice xmlns:a14="http://schemas.microsoft.com/office/drawing/2010/main" Requires="a14">
+      <mc:AlternateContent xmlns:mc="http://schemas.openxmlformats.org/markup-compatibility/2006" xmlns:a14="http://schemas.microsoft.com/office/drawing/2010/main">
+        <mc:Choice Requires="a14">
           <p:sp>
             <p:nvSpPr>
               <p:cNvPr id="40" name="TextBox 39"/>
@@ -5629,6 +5609,7 @@
               </a:bodyPr>
               <a:lstStyle/>
               <a:p>
+                <a:pPr/>
                 <a14:m>
                   <m:oMathPara xmlns:m="http://schemas.openxmlformats.org/officeDocument/2006/math">
                     <m:oMathParaPr>
@@ -5667,7 +5648,7 @@
             </p:txBody>
           </p:sp>
         </mc:Choice>
-        <mc:Fallback>
+        <mc:Fallback xmlns="">
           <p:sp>
             <p:nvSpPr>
               <p:cNvPr id="40" name="TextBox 39"/>
@@ -5738,8 +5719,8 @@
           </a:p>
         </p:txBody>
       </p:sp>
-      <mc:AlternateContent xmlns:mc="http://schemas.openxmlformats.org/markup-compatibility/2006">
-        <mc:Choice xmlns:a14="http://schemas.microsoft.com/office/drawing/2010/main" Requires="a14">
+      <mc:AlternateContent xmlns:mc="http://schemas.openxmlformats.org/markup-compatibility/2006" xmlns:a14="http://schemas.microsoft.com/office/drawing/2010/main">
+        <mc:Choice Requires="a14">
           <p:sp>
             <p:nvSpPr>
               <p:cNvPr id="44" name="TextBox 43"/>
@@ -5762,6 +5743,7 @@
               </a:bodyPr>
               <a:lstStyle/>
               <a:p>
+                <a:pPr/>
                 <a14:m>
                   <m:oMathPara xmlns:m="http://schemas.openxmlformats.org/officeDocument/2006/math">
                     <m:oMathParaPr>
@@ -5800,7 +5782,7 @@
             </p:txBody>
           </p:sp>
         </mc:Choice>
-        <mc:Fallback>
+        <mc:Fallback xmlns="">
           <p:sp>
             <p:nvSpPr>
               <p:cNvPr id="44" name="TextBox 43"/>
@@ -5843,6 +5825,438 @@
     <p:extLst>
       <p:ext uri="{BB962C8B-B14F-4D97-AF65-F5344CB8AC3E}">
         <p14:creationId xmlns:p14="http://schemas.microsoft.com/office/powerpoint/2010/main" val="3027021643"/>
+      </p:ext>
+    </p:extLst>
+  </p:cSld>
+  <p:clrMapOvr>
+    <a:masterClrMapping/>
+  </p:clrMapOvr>
+</p:sld>
+</file>
+
+<file path=ppt/slides/slide4.xml><?xml version="1.0" encoding="utf-8"?>
+<p:sld xmlns:a="http://schemas.openxmlformats.org/drawingml/2006/main" xmlns:r="http://schemas.openxmlformats.org/officeDocument/2006/relationships" xmlns:p="http://schemas.openxmlformats.org/presentationml/2006/main">
+  <p:cSld>
+    <p:spTree>
+      <p:nvGrpSpPr>
+        <p:cNvPr id="1" name=""/>
+        <p:cNvGrpSpPr/>
+        <p:nvPr/>
+      </p:nvGrpSpPr>
+      <p:grpSpPr>
+        <a:xfrm>
+          <a:off x="0" y="0"/>
+          <a:ext cx="0" cy="0"/>
+          <a:chOff x="0" y="0"/>
+          <a:chExt cx="0" cy="0"/>
+        </a:xfrm>
+      </p:grpSpPr>
+      <p:cxnSp>
+        <p:nvCxnSpPr>
+          <p:cNvPr id="4" name="직선 연결선 3"/>
+          <p:cNvCxnSpPr>
+            <a:cxnSpLocks/>
+          </p:cNvCxnSpPr>
+          <p:nvPr/>
+        </p:nvCxnSpPr>
+        <p:spPr>
+          <a:xfrm>
+            <a:off x="2380056" y="1888774"/>
+            <a:ext cx="0" cy="2938509"/>
+          </a:xfrm>
+          <a:prstGeom prst="line">
+            <a:avLst/>
+          </a:prstGeom>
+          <a:ln w="57150">
+            <a:solidFill>
+              <a:schemeClr val="tx1"/>
+            </a:solidFill>
+          </a:ln>
+        </p:spPr>
+        <p:style>
+          <a:lnRef idx="1">
+            <a:schemeClr val="dk1"/>
+          </a:lnRef>
+          <a:fillRef idx="0">
+            <a:schemeClr val="dk1"/>
+          </a:fillRef>
+          <a:effectRef idx="0">
+            <a:schemeClr val="dk1"/>
+          </a:effectRef>
+          <a:fontRef idx="minor">
+            <a:schemeClr val="tx1"/>
+          </a:fontRef>
+        </p:style>
+      </p:cxnSp>
+      <p:sp>
+        <p:nvSpPr>
+          <p:cNvPr id="5" name="사각형: 둥근 모서리 4"/>
+          <p:cNvSpPr/>
+          <p:nvPr/>
+        </p:nvSpPr>
+        <p:spPr>
+          <a:xfrm>
+            <a:off x="2055121" y="2616414"/>
+            <a:ext cx="676502" cy="1483227"/>
+          </a:xfrm>
+          <a:prstGeom prst="roundRect">
+            <a:avLst/>
+          </a:prstGeom>
+          <a:solidFill>
+            <a:schemeClr val="bg1"/>
+          </a:solidFill>
+          <a:ln w="57150">
+            <a:solidFill>
+              <a:schemeClr val="tx1"/>
+            </a:solidFill>
+          </a:ln>
+        </p:spPr>
+        <p:style>
+          <a:lnRef idx="2">
+            <a:schemeClr val="accent1">
+              <a:shade val="50000"/>
+            </a:schemeClr>
+          </a:lnRef>
+          <a:fillRef idx="1">
+            <a:schemeClr val="accent1"/>
+          </a:fillRef>
+          <a:effectRef idx="0">
+            <a:schemeClr val="accent1"/>
+          </a:effectRef>
+          <a:fontRef idx="minor">
+            <a:schemeClr val="lt1"/>
+          </a:fontRef>
+        </p:style>
+        <p:txBody>
+          <a:bodyPr rtlCol="0" anchor="ctr"/>
+          <a:lstStyle/>
+          <a:p>
+            <a:pPr algn="ctr"/>
+            <a:endParaRPr lang="ko-KR" altLang="en-US"/>
+          </a:p>
+        </p:txBody>
+      </p:sp>
+      <p:sp>
+        <p:nvSpPr>
+          <p:cNvPr id="6" name="TextBox 5"/>
+          <p:cNvSpPr txBox="1"/>
+          <p:nvPr/>
+        </p:nvSpPr>
+        <p:spPr>
+          <a:xfrm>
+            <a:off x="2841696" y="2163570"/>
+            <a:ext cx="665826" cy="584775"/>
+          </a:xfrm>
+          <a:prstGeom prst="rect">
+            <a:avLst/>
+          </a:prstGeom>
+          <a:noFill/>
+        </p:spPr>
+        <p:txBody>
+          <a:bodyPr wrap="square" rtlCol="0">
+            <a:spAutoFit/>
+          </a:bodyPr>
+          <a:lstStyle/>
+          <a:p>
+            <a:pPr algn="ctr"/>
+            <a:r>
+              <a:rPr lang="en-US" altLang="ko-KR" sz="3200" dirty="0">
+                <a:latin typeface="D2Coding" panose="020B0609020101020101" pitchFamily="49" charset="-127"/>
+                <a:ea typeface="D2Coding" panose="020B0609020101020101" pitchFamily="49" charset="-127"/>
+              </a:rPr>
+              <a:t>+</a:t>
+            </a:r>
+            <a:endParaRPr lang="ko-KR" altLang="en-US" sz="3200" dirty="0">
+              <a:latin typeface="D2Coding" panose="020B0609020101020101" pitchFamily="49" charset="-127"/>
+              <a:ea typeface="D2Coding" panose="020B0609020101020101" pitchFamily="49" charset="-127"/>
+            </a:endParaRPr>
+          </a:p>
+        </p:txBody>
+      </p:sp>
+      <p:sp>
+        <p:nvSpPr>
+          <p:cNvPr id="7" name="TextBox 6"/>
+          <p:cNvSpPr txBox="1"/>
+          <p:nvPr/>
+        </p:nvSpPr>
+        <p:spPr>
+          <a:xfrm>
+            <a:off x="2841696" y="4005644"/>
+            <a:ext cx="665826" cy="584775"/>
+          </a:xfrm>
+          <a:prstGeom prst="rect">
+            <a:avLst/>
+          </a:prstGeom>
+          <a:noFill/>
+        </p:spPr>
+        <p:txBody>
+          <a:bodyPr wrap="square" rtlCol="0">
+            <a:spAutoFit/>
+          </a:bodyPr>
+          <a:lstStyle/>
+          <a:p>
+            <a:pPr algn="ctr"/>
+            <a:r>
+              <a:rPr lang="en-US" altLang="ko-KR" sz="3200" dirty="0">
+                <a:latin typeface="D2Coding" panose="020B0609020101020101" pitchFamily="49" charset="-127"/>
+                <a:ea typeface="D2Coding" panose="020B0609020101020101" pitchFamily="49" charset="-127"/>
+              </a:rPr>
+              <a:t>-</a:t>
+            </a:r>
+            <a:endParaRPr lang="ko-KR" altLang="en-US" sz="3200" dirty="0">
+              <a:latin typeface="D2Coding" panose="020B0609020101020101" pitchFamily="49" charset="-127"/>
+              <a:ea typeface="D2Coding" panose="020B0609020101020101" pitchFamily="49" charset="-127"/>
+            </a:endParaRPr>
+          </a:p>
+        </p:txBody>
+      </p:sp>
+      <p:sp>
+        <p:nvSpPr>
+          <p:cNvPr id="8" name="타원 7"/>
+          <p:cNvSpPr/>
+          <p:nvPr/>
+        </p:nvSpPr>
+        <p:spPr>
+          <a:xfrm>
+            <a:off x="2312362" y="1801106"/>
+            <a:ext cx="162020" cy="162020"/>
+          </a:xfrm>
+          <a:prstGeom prst="ellipse">
+            <a:avLst/>
+          </a:prstGeom>
+          <a:solidFill>
+            <a:schemeClr val="tx1"/>
+          </a:solidFill>
+          <a:ln>
+            <a:solidFill>
+              <a:schemeClr val="tx1"/>
+            </a:solidFill>
+          </a:ln>
+        </p:spPr>
+        <p:style>
+          <a:lnRef idx="2">
+            <a:schemeClr val="accent1">
+              <a:shade val="50000"/>
+            </a:schemeClr>
+          </a:lnRef>
+          <a:fillRef idx="1">
+            <a:schemeClr val="accent1"/>
+          </a:fillRef>
+          <a:effectRef idx="0">
+            <a:schemeClr val="accent1"/>
+          </a:effectRef>
+          <a:fontRef idx="minor">
+            <a:schemeClr val="lt1"/>
+          </a:fontRef>
+        </p:style>
+        <p:txBody>
+          <a:bodyPr rtlCol="0" anchor="ctr"/>
+          <a:lstStyle/>
+          <a:p>
+            <a:pPr algn="ctr"/>
+            <a:endParaRPr lang="ko-KR" altLang="en-US"/>
+          </a:p>
+        </p:txBody>
+      </p:sp>
+      <p:sp>
+        <p:nvSpPr>
+          <p:cNvPr id="9" name="타원 8"/>
+          <p:cNvSpPr/>
+          <p:nvPr/>
+        </p:nvSpPr>
+        <p:spPr>
+          <a:xfrm>
+            <a:off x="2312362" y="4784307"/>
+            <a:ext cx="162020" cy="162020"/>
+          </a:xfrm>
+          <a:prstGeom prst="ellipse">
+            <a:avLst/>
+          </a:prstGeom>
+          <a:solidFill>
+            <a:schemeClr val="tx1"/>
+          </a:solidFill>
+          <a:ln>
+            <a:solidFill>
+              <a:schemeClr val="tx1"/>
+            </a:solidFill>
+          </a:ln>
+        </p:spPr>
+        <p:style>
+          <a:lnRef idx="2">
+            <a:schemeClr val="accent1">
+              <a:shade val="50000"/>
+            </a:schemeClr>
+          </a:lnRef>
+          <a:fillRef idx="1">
+            <a:schemeClr val="accent1"/>
+          </a:fillRef>
+          <a:effectRef idx="0">
+            <a:schemeClr val="accent1"/>
+          </a:effectRef>
+          <a:fontRef idx="minor">
+            <a:schemeClr val="lt1"/>
+          </a:fontRef>
+        </p:style>
+        <p:txBody>
+          <a:bodyPr rtlCol="0" anchor="ctr"/>
+          <a:lstStyle/>
+          <a:p>
+            <a:pPr algn="ctr"/>
+            <a:endParaRPr lang="ko-KR" altLang="en-US"/>
+          </a:p>
+        </p:txBody>
+      </p:sp>
+      <p:cxnSp>
+        <p:nvCxnSpPr>
+          <p:cNvPr id="11" name="직선 화살표 연결선 10"/>
+          <p:cNvCxnSpPr/>
+          <p:nvPr/>
+        </p:nvCxnSpPr>
+        <p:spPr>
+          <a:xfrm>
+            <a:off x="1655806" y="1888774"/>
+            <a:ext cx="0" cy="859571"/>
+          </a:xfrm>
+          <a:prstGeom prst="straightConnector1">
+            <a:avLst/>
+          </a:prstGeom>
+          <a:ln w="38100">
+            <a:solidFill>
+              <a:schemeClr val="tx1"/>
+            </a:solidFill>
+            <a:tailEnd type="triangle"/>
+          </a:ln>
+        </p:spPr>
+        <p:style>
+          <a:lnRef idx="1">
+            <a:schemeClr val="accent1"/>
+          </a:lnRef>
+          <a:fillRef idx="0">
+            <a:schemeClr val="accent1"/>
+          </a:fillRef>
+          <a:effectRef idx="0">
+            <a:schemeClr val="accent1"/>
+          </a:effectRef>
+          <a:fontRef idx="minor">
+            <a:schemeClr val="tx1"/>
+          </a:fontRef>
+        </p:style>
+      </p:cxnSp>
+      <p:sp>
+        <p:nvSpPr>
+          <p:cNvPr id="12" name="TextBox 11"/>
+          <p:cNvSpPr txBox="1"/>
+          <p:nvPr/>
+        </p:nvSpPr>
+        <p:spPr>
+          <a:xfrm>
+            <a:off x="1294970" y="2973306"/>
+            <a:ext cx="665826" cy="769441"/>
+          </a:xfrm>
+          <a:prstGeom prst="rect">
+            <a:avLst/>
+          </a:prstGeom>
+          <a:noFill/>
+        </p:spPr>
+        <p:txBody>
+          <a:bodyPr wrap="square" rtlCol="0">
+            <a:spAutoFit/>
+          </a:bodyPr>
+          <a:lstStyle/>
+          <a:p>
+            <a:pPr algn="ctr"/>
+            <a:r>
+              <a:rPr lang="en-US" altLang="ko-KR" sz="4400" dirty="0">
+                <a:latin typeface="D2Coding" panose="020B0609020101020101" pitchFamily="49" charset="-127"/>
+                <a:ea typeface="D2Coding" panose="020B0609020101020101" pitchFamily="49" charset="-127"/>
+              </a:rPr>
+              <a:t>R</a:t>
+            </a:r>
+            <a:endParaRPr lang="ko-KR" altLang="en-US" sz="4400" dirty="0">
+              <a:latin typeface="D2Coding" panose="020B0609020101020101" pitchFamily="49" charset="-127"/>
+              <a:ea typeface="D2Coding" panose="020B0609020101020101" pitchFamily="49" charset="-127"/>
+            </a:endParaRPr>
+          </a:p>
+        </p:txBody>
+      </p:sp>
+      <p:sp>
+        <p:nvSpPr>
+          <p:cNvPr id="13" name="TextBox 12"/>
+          <p:cNvSpPr txBox="1"/>
+          <p:nvPr/>
+        </p:nvSpPr>
+        <p:spPr>
+          <a:xfrm>
+            <a:off x="2841696" y="3146162"/>
+            <a:ext cx="665826" cy="461665"/>
+          </a:xfrm>
+          <a:prstGeom prst="rect">
+            <a:avLst/>
+          </a:prstGeom>
+          <a:noFill/>
+        </p:spPr>
+        <p:txBody>
+          <a:bodyPr wrap="square" rtlCol="0">
+            <a:spAutoFit/>
+          </a:bodyPr>
+          <a:lstStyle/>
+          <a:p>
+            <a:pPr algn="ctr"/>
+            <a:r>
+              <a:rPr lang="en-US" altLang="ko-KR" sz="2400" dirty="0">
+                <a:latin typeface="D2Coding" panose="020B0609020101020101" pitchFamily="49" charset="-127"/>
+                <a:ea typeface="D2Coding" panose="020B0609020101020101" pitchFamily="49" charset="-127"/>
+              </a:rPr>
+              <a:t>v</a:t>
+            </a:r>
+            <a:endParaRPr lang="ko-KR" altLang="en-US" sz="2400" dirty="0">
+              <a:latin typeface="D2Coding" panose="020B0609020101020101" pitchFamily="49" charset="-127"/>
+              <a:ea typeface="D2Coding" panose="020B0609020101020101" pitchFamily="49" charset="-127"/>
+            </a:endParaRPr>
+          </a:p>
+        </p:txBody>
+      </p:sp>
+      <p:sp>
+        <p:nvSpPr>
+          <p:cNvPr id="17" name="TextBox 16"/>
+          <p:cNvSpPr txBox="1"/>
+          <p:nvPr/>
+        </p:nvSpPr>
+        <p:spPr>
+          <a:xfrm>
+            <a:off x="1019193" y="1963126"/>
+            <a:ext cx="665826" cy="461665"/>
+          </a:xfrm>
+          <a:prstGeom prst="rect">
+            <a:avLst/>
+          </a:prstGeom>
+          <a:noFill/>
+        </p:spPr>
+        <p:txBody>
+          <a:bodyPr wrap="square" rtlCol="0">
+            <a:spAutoFit/>
+          </a:bodyPr>
+          <a:lstStyle/>
+          <a:p>
+            <a:pPr algn="ctr"/>
+            <a:r>
+              <a:rPr lang="en-US" altLang="ko-KR" sz="2400" dirty="0" err="1">
+                <a:latin typeface="D2Coding" panose="020B0609020101020101" pitchFamily="49" charset="-127"/>
+                <a:ea typeface="D2Coding" panose="020B0609020101020101" pitchFamily="49" charset="-127"/>
+              </a:rPr>
+              <a:t>i</a:t>
+            </a:r>
+            <a:endParaRPr lang="ko-KR" altLang="en-US" sz="2400" dirty="0">
+              <a:latin typeface="D2Coding" panose="020B0609020101020101" pitchFamily="49" charset="-127"/>
+              <a:ea typeface="D2Coding" panose="020B0609020101020101" pitchFamily="49" charset="-127"/>
+            </a:endParaRPr>
+          </a:p>
+        </p:txBody>
+      </p:sp>
+    </p:spTree>
+    <p:extLst>
+      <p:ext uri="{BB962C8B-B14F-4D97-AF65-F5344CB8AC3E}">
+        <p14:creationId xmlns:p14="http://schemas.microsoft.com/office/powerpoint/2010/main" val="1254080316"/>
       </p:ext>
     </p:extLst>
   </p:cSld>
